--- a/Documentation/Coding Corgies.pptx
+++ b/Documentation/Coding Corgies.pptx
@@ -16,6 +16,7 @@
     <p:sldId id="264" r:id="rId10"/>
     <p:sldId id="265" r:id="rId11"/>
     <p:sldId id="266" r:id="rId12"/>
+    <p:sldId id="267" r:id="rId13"/>
   </p:sldIdLst>
   <p:sldSz cx="12192000" cy="6858000"/>
   <p:notesSz cx="6858000" cy="9144000"/>
@@ -114,6 +115,11 @@
       </a:defRPr>
     </a:lvl9pPr>
   </p:defaultTextStyle>
+  <p:extLst>
+    <p:ext uri="{EFAFB233-063F-42B5-8137-9DF3F51BA10A}">
+      <p15:sldGuideLst xmlns:p15="http://schemas.microsoft.com/office/powerpoint/2012/main"/>
+    </p:ext>
+  </p:extLst>
 </p:presentation>
 </file>
 
@@ -7677,6 +7683,1220 @@
 </p:sld>
 </file>
 
+<file path=ppt/slides/slide12.xml><?xml version="1.0" encoding="utf-8"?>
+<p:sld xmlns:a="http://schemas.openxmlformats.org/drawingml/2006/main" xmlns:r="http://schemas.openxmlformats.org/officeDocument/2006/relationships" xmlns:p="http://schemas.openxmlformats.org/presentationml/2006/main">
+  <p:cSld>
+    <p:bg>
+      <p:bgPr>
+        <a:solidFill>
+          <a:schemeClr val="bg1"/>
+        </a:solidFill>
+        <a:effectLst/>
+      </p:bgPr>
+    </p:bg>
+    <p:spTree>
+      <p:nvGrpSpPr>
+        <p:cNvPr id="1" name=""/>
+        <p:cNvGrpSpPr/>
+        <p:nvPr/>
+      </p:nvGrpSpPr>
+      <p:grpSpPr>
+        <a:xfrm>
+          <a:off x="0" y="0"/>
+          <a:ext cx="0" cy="0"/>
+          <a:chOff x="0" y="0"/>
+          <a:chExt cx="0" cy="0"/>
+        </a:xfrm>
+      </p:grpSpPr>
+      <p:cxnSp>
+        <p:nvCxnSpPr>
+          <p:cNvPr id="7" name="Straight Connector 6">
+            <a:extLst>
+              <a:ext uri="{FF2B5EF4-FFF2-40B4-BE49-F238E27FC236}">
+                <a16:creationId xmlns:a16="http://schemas.microsoft.com/office/drawing/2014/main" id="{D1B787A8-0D67-4B7E-9B48-86BD906AB6B5}"/>
+              </a:ext>
+              <a:ext uri="{C183D7F6-B498-43B3-948B-1728B52AA6E4}">
+                <adec:decorative xmlns:adec="http://schemas.microsoft.com/office/drawing/2017/decorative" val="1"/>
+              </a:ext>
+            </a:extLst>
+          </p:cNvPr>
+          <p:cNvCxnSpPr>
+            <a:cxnSpLocks noGrp="1" noRot="1" noChangeAspect="1" noMove="1" noResize="1" noEditPoints="1" noAdjustHandles="1" noChangeArrowheads="1" noChangeShapeType="1"/>
+          </p:cNvCxnSpPr>
+          <p:nvPr>
+            <p:extLst>
+              <p:ext uri="{386F3935-93C4-4BCD-93E2-E3B085C9AB24}">
+                <p16:designElem xmlns:p16="http://schemas.microsoft.com/office/powerpoint/2015/main" val="1"/>
+              </p:ext>
+            </p:extLst>
+          </p:nvPr>
+        </p:nvCxnSpPr>
+        <p:spPr>
+          <a:xfrm>
+            <a:off x="715890" y="1114050"/>
+            <a:ext cx="0" cy="5735637"/>
+          </a:xfrm>
+          <a:prstGeom prst="line">
+            <a:avLst/>
+          </a:prstGeom>
+          <a:ln w="25400" cap="sq">
+            <a:gradFill flip="none" rotWithShape="1">
+              <a:gsLst>
+                <a:gs pos="0">
+                  <a:schemeClr val="accent2"/>
+                </a:gs>
+                <a:gs pos="100000">
+                  <a:schemeClr val="accent4"/>
+                </a:gs>
+              </a:gsLst>
+              <a:lin ang="16200000" scaled="1"/>
+              <a:tileRect/>
+            </a:gradFill>
+            <a:bevel/>
+          </a:ln>
+        </p:spPr>
+        <p:style>
+          <a:lnRef idx="1">
+            <a:schemeClr val="accent1"/>
+          </a:lnRef>
+          <a:fillRef idx="0">
+            <a:schemeClr val="accent1"/>
+          </a:fillRef>
+          <a:effectRef idx="0">
+            <a:schemeClr val="accent1"/>
+          </a:effectRef>
+          <a:fontRef idx="minor">
+            <a:schemeClr val="tx1"/>
+          </a:fontRef>
+        </p:style>
+      </p:cxnSp>
+      <p:sp>
+        <p:nvSpPr>
+          <p:cNvPr id="9" name="Rectangle 8">
+            <a:extLst>
+              <a:ext uri="{FF2B5EF4-FFF2-40B4-BE49-F238E27FC236}">
+                <a16:creationId xmlns:a16="http://schemas.microsoft.com/office/drawing/2014/main" id="{8F9CBE3F-79A8-4F8F-88D9-DAD03D0D281F}"/>
+              </a:ext>
+              <a:ext uri="{C183D7F6-B498-43B3-948B-1728B52AA6E4}">
+                <adec:decorative xmlns:adec="http://schemas.microsoft.com/office/drawing/2017/decorative" val="1"/>
+              </a:ext>
+            </a:extLst>
+          </p:cNvPr>
+          <p:cNvSpPr>
+            <a:spLocks noGrp="1" noRot="1" noChangeAspect="1" noMove="1" noResize="1" noEditPoints="1" noAdjustHandles="1" noChangeArrowheads="1" noChangeShapeType="1" noTextEdit="1"/>
+          </p:cNvSpPr>
+          <p:nvPr>
+            <p:extLst>
+              <p:ext uri="{386F3935-93C4-4BCD-93E2-E3B085C9AB24}">
+                <p16:designElem xmlns:p16="http://schemas.microsoft.com/office/powerpoint/2015/main" val="1"/>
+              </p:ext>
+            </p:extLst>
+          </p:nvPr>
+        </p:nvSpPr>
+        <p:spPr>
+          <a:xfrm>
+            <a:off x="0" y="0"/>
+            <a:ext cx="12192000" cy="6858000"/>
+          </a:xfrm>
+          <a:prstGeom prst="rect">
+            <a:avLst/>
+          </a:prstGeom>
+          <a:gradFill flip="none" rotWithShape="1">
+            <a:gsLst>
+              <a:gs pos="100000">
+                <a:schemeClr val="accent4"/>
+              </a:gs>
+              <a:gs pos="0">
+                <a:schemeClr val="accent2"/>
+              </a:gs>
+            </a:gsLst>
+            <a:lin ang="2700000" scaled="1"/>
+            <a:tileRect/>
+          </a:gradFill>
+          <a:ln>
+            <a:noFill/>
+          </a:ln>
+        </p:spPr>
+        <p:style>
+          <a:lnRef idx="2">
+            <a:schemeClr val="accent1">
+              <a:shade val="50000"/>
+            </a:schemeClr>
+          </a:lnRef>
+          <a:fillRef idx="1">
+            <a:schemeClr val="accent1"/>
+          </a:fillRef>
+          <a:effectRef idx="0">
+            <a:schemeClr val="accent1"/>
+          </a:effectRef>
+          <a:fontRef idx="minor">
+            <a:schemeClr val="lt1"/>
+          </a:fontRef>
+        </p:style>
+        <p:txBody>
+          <a:bodyPr rtlCol="0" anchor="ctr"/>
+          <a:lstStyle/>
+          <a:p>
+            <a:pPr algn="ctr"/>
+            <a:endParaRPr lang="en-US"/>
+          </a:p>
+        </p:txBody>
+      </p:sp>
+      <p:sp>
+        <p:nvSpPr>
+          <p:cNvPr id="2" name="Cím 1">
+            <a:extLst>
+              <a:ext uri="{FF2B5EF4-FFF2-40B4-BE49-F238E27FC236}">
+                <a16:creationId xmlns:a16="http://schemas.microsoft.com/office/drawing/2014/main" id="{4B751D12-028B-43FD-B3A6-1C1F094B196D}"/>
+              </a:ext>
+            </a:extLst>
+          </p:cNvPr>
+          <p:cNvSpPr>
+            <a:spLocks noGrp="1"/>
+          </p:cNvSpPr>
+          <p:nvPr>
+            <p:ph type="title"/>
+          </p:nvPr>
+        </p:nvSpPr>
+        <p:spPr>
+          <a:xfrm>
+            <a:off x="1522030" y="1209220"/>
+            <a:ext cx="9147940" cy="2337238"/>
+          </a:xfrm>
+        </p:spPr>
+        <p:txBody>
+          <a:bodyPr vert="horz" lIns="91440" tIns="45720" rIns="91440" bIns="45720" rtlCol="0" anchor="b">
+            <a:normAutofit/>
+          </a:bodyPr>
+          <a:lstStyle/>
+          <a:p>
+            <a:pPr algn="ctr"/>
+            <a:r>
+              <a:rPr lang="en-US" sz="6000" b="1" i="0" kern="1200" cap="all" baseline="0">
+                <a:solidFill>
+                  <a:schemeClr val="bg1"/>
+                </a:solidFill>
+                <a:latin typeface="+mj-lt"/>
+                <a:ea typeface="+mj-ea"/>
+                <a:cs typeface="+mj-cs"/>
+              </a:rPr>
+              <a:t>Thank you for the attention !</a:t>
+            </a:r>
+          </a:p>
+        </p:txBody>
+      </p:sp>
+      <p:sp>
+        <p:nvSpPr>
+          <p:cNvPr id="11" name="Graphic 22">
+            <a:extLst>
+              <a:ext uri="{FF2B5EF4-FFF2-40B4-BE49-F238E27FC236}">
+                <a16:creationId xmlns:a16="http://schemas.microsoft.com/office/drawing/2014/main" id="{508BEF50-7B1E-49A4-BC19-5F4F1D755E64}"/>
+              </a:ext>
+              <a:ext uri="{C183D7F6-B498-43B3-948B-1728B52AA6E4}">
+                <adec:decorative xmlns:adec="http://schemas.microsoft.com/office/drawing/2017/decorative" val="1"/>
+              </a:ext>
+            </a:extLst>
+          </p:cNvPr>
+          <p:cNvSpPr>
+            <a:spLocks noGrp="1" noRot="1" noChangeAspect="1" noMove="1" noResize="1" noEditPoints="1" noAdjustHandles="1" noChangeArrowheads="1" noChangeShapeType="1" noTextEdit="1"/>
+          </p:cNvSpPr>
+          <p:nvPr>
+            <p:extLst>
+              <p:ext uri="{386F3935-93C4-4BCD-93E2-E3B085C9AB24}">
+                <p16:designElem xmlns:p16="http://schemas.microsoft.com/office/powerpoint/2015/main" val="1"/>
+              </p:ext>
+            </p:extLst>
+          </p:nvPr>
+        </p:nvSpPr>
+        <p:spPr>
+          <a:xfrm>
+            <a:off x="1261869" y="2383077"/>
+            <a:ext cx="151536" cy="151536"/>
+          </a:xfrm>
+          <a:custGeom>
+            <a:avLst/>
+            <a:gdLst>
+              <a:gd name="connsiteX0" fmla="*/ 141251 w 151536"/>
+              <a:gd name="connsiteY0" fmla="*/ 65483 h 151536"/>
+              <a:gd name="connsiteX1" fmla="*/ 86053 w 151536"/>
+              <a:gd name="connsiteY1" fmla="*/ 65483 h 151536"/>
+              <a:gd name="connsiteX2" fmla="*/ 86053 w 151536"/>
+              <a:gd name="connsiteY2" fmla="*/ 10285 h 151536"/>
+              <a:gd name="connsiteX3" fmla="*/ 75768 w 151536"/>
+              <a:gd name="connsiteY3" fmla="*/ 0 h 151536"/>
+              <a:gd name="connsiteX4" fmla="*/ 65483 w 151536"/>
+              <a:gd name="connsiteY4" fmla="*/ 10285 h 151536"/>
+              <a:gd name="connsiteX5" fmla="*/ 65483 w 151536"/>
+              <a:gd name="connsiteY5" fmla="*/ 65483 h 151536"/>
+              <a:gd name="connsiteX6" fmla="*/ 10285 w 151536"/>
+              <a:gd name="connsiteY6" fmla="*/ 65483 h 151536"/>
+              <a:gd name="connsiteX7" fmla="*/ 0 w 151536"/>
+              <a:gd name="connsiteY7" fmla="*/ 75768 h 151536"/>
+              <a:gd name="connsiteX8" fmla="*/ 10285 w 151536"/>
+              <a:gd name="connsiteY8" fmla="*/ 86053 h 151536"/>
+              <a:gd name="connsiteX9" fmla="*/ 65483 w 151536"/>
+              <a:gd name="connsiteY9" fmla="*/ 86053 h 151536"/>
+              <a:gd name="connsiteX10" fmla="*/ 65483 w 151536"/>
+              <a:gd name="connsiteY10" fmla="*/ 141251 h 151536"/>
+              <a:gd name="connsiteX11" fmla="*/ 75768 w 151536"/>
+              <a:gd name="connsiteY11" fmla="*/ 151536 h 151536"/>
+              <a:gd name="connsiteX12" fmla="*/ 86053 w 151536"/>
+              <a:gd name="connsiteY12" fmla="*/ 141251 h 151536"/>
+              <a:gd name="connsiteX13" fmla="*/ 86053 w 151536"/>
+              <a:gd name="connsiteY13" fmla="*/ 86053 h 151536"/>
+              <a:gd name="connsiteX14" fmla="*/ 141251 w 151536"/>
+              <a:gd name="connsiteY14" fmla="*/ 86053 h 151536"/>
+              <a:gd name="connsiteX15" fmla="*/ 151536 w 151536"/>
+              <a:gd name="connsiteY15" fmla="*/ 75768 h 151536"/>
+              <a:gd name="connsiteX16" fmla="*/ 141251 w 151536"/>
+              <a:gd name="connsiteY16" fmla="*/ 65483 h 151536"/>
+            </a:gdLst>
+            <a:ahLst/>
+            <a:cxnLst>
+              <a:cxn ang="0">
+                <a:pos x="connsiteX0" y="connsiteY0"/>
+              </a:cxn>
+              <a:cxn ang="0">
+                <a:pos x="connsiteX1" y="connsiteY1"/>
+              </a:cxn>
+              <a:cxn ang="0">
+                <a:pos x="connsiteX2" y="connsiteY2"/>
+              </a:cxn>
+              <a:cxn ang="0">
+                <a:pos x="connsiteX3" y="connsiteY3"/>
+              </a:cxn>
+              <a:cxn ang="0">
+                <a:pos x="connsiteX4" y="connsiteY4"/>
+              </a:cxn>
+              <a:cxn ang="0">
+                <a:pos x="connsiteX5" y="connsiteY5"/>
+              </a:cxn>
+              <a:cxn ang="0">
+                <a:pos x="connsiteX6" y="connsiteY6"/>
+              </a:cxn>
+              <a:cxn ang="0">
+                <a:pos x="connsiteX7" y="connsiteY7"/>
+              </a:cxn>
+              <a:cxn ang="0">
+                <a:pos x="connsiteX8" y="connsiteY8"/>
+              </a:cxn>
+              <a:cxn ang="0">
+                <a:pos x="connsiteX9" y="connsiteY9"/>
+              </a:cxn>
+              <a:cxn ang="0">
+                <a:pos x="connsiteX10" y="connsiteY10"/>
+              </a:cxn>
+              <a:cxn ang="0">
+                <a:pos x="connsiteX11" y="connsiteY11"/>
+              </a:cxn>
+              <a:cxn ang="0">
+                <a:pos x="connsiteX12" y="connsiteY12"/>
+              </a:cxn>
+              <a:cxn ang="0">
+                <a:pos x="connsiteX13" y="connsiteY13"/>
+              </a:cxn>
+              <a:cxn ang="0">
+                <a:pos x="connsiteX14" y="connsiteY14"/>
+              </a:cxn>
+              <a:cxn ang="0">
+                <a:pos x="connsiteX15" y="connsiteY15"/>
+              </a:cxn>
+              <a:cxn ang="0">
+                <a:pos x="connsiteX16" y="connsiteY16"/>
+              </a:cxn>
+            </a:cxnLst>
+            <a:rect l="l" t="t" r="r" b="b"/>
+            <a:pathLst>
+              <a:path w="151536" h="151536">
+                <a:moveTo>
+                  <a:pt x="141251" y="65483"/>
+                </a:moveTo>
+                <a:lnTo>
+                  <a:pt x="86053" y="65483"/>
+                </a:lnTo>
+                <a:lnTo>
+                  <a:pt x="86053" y="10285"/>
+                </a:lnTo>
+                <a:cubicBezTo>
+                  <a:pt x="86053" y="4605"/>
+                  <a:pt x="81448" y="0"/>
+                  <a:pt x="75768" y="0"/>
+                </a:cubicBezTo>
+                <a:cubicBezTo>
+                  <a:pt x="70088" y="0"/>
+                  <a:pt x="65483" y="4605"/>
+                  <a:pt x="65483" y="10285"/>
+                </a:cubicBezTo>
+                <a:lnTo>
+                  <a:pt x="65483" y="65483"/>
+                </a:lnTo>
+                <a:lnTo>
+                  <a:pt x="10285" y="65483"/>
+                </a:lnTo>
+                <a:cubicBezTo>
+                  <a:pt x="4605" y="65483"/>
+                  <a:pt x="0" y="70088"/>
+                  <a:pt x="0" y="75768"/>
+                </a:cubicBezTo>
+                <a:cubicBezTo>
+                  <a:pt x="0" y="81448"/>
+                  <a:pt x="4605" y="86053"/>
+                  <a:pt x="10285" y="86053"/>
+                </a:cubicBezTo>
+                <a:lnTo>
+                  <a:pt x="65483" y="86053"/>
+                </a:lnTo>
+                <a:lnTo>
+                  <a:pt x="65483" y="141251"/>
+                </a:lnTo>
+                <a:cubicBezTo>
+                  <a:pt x="65483" y="146931"/>
+                  <a:pt x="70088" y="151536"/>
+                  <a:pt x="75768" y="151536"/>
+                </a:cubicBezTo>
+                <a:cubicBezTo>
+                  <a:pt x="81448" y="151536"/>
+                  <a:pt x="86053" y="146931"/>
+                  <a:pt x="86053" y="141251"/>
+                </a:cubicBezTo>
+                <a:lnTo>
+                  <a:pt x="86053" y="86053"/>
+                </a:lnTo>
+                <a:lnTo>
+                  <a:pt x="141251" y="86053"/>
+                </a:lnTo>
+                <a:cubicBezTo>
+                  <a:pt x="146931" y="86053"/>
+                  <a:pt x="151536" y="81448"/>
+                  <a:pt x="151536" y="75768"/>
+                </a:cubicBezTo>
+                <a:cubicBezTo>
+                  <a:pt x="151536" y="70088"/>
+                  <a:pt x="146931" y="65483"/>
+                  <a:pt x="141251" y="65483"/>
+                </a:cubicBezTo>
+                <a:close/>
+              </a:path>
+            </a:pathLst>
+          </a:custGeom>
+          <a:solidFill>
+            <a:schemeClr val="bg1"/>
+          </a:solidFill>
+          <a:ln w="646" cap="flat">
+            <a:noFill/>
+            <a:prstDash val="solid"/>
+            <a:miter/>
+          </a:ln>
+        </p:spPr>
+        <p:txBody>
+          <a:bodyPr rtlCol="0" anchor="ctr"/>
+          <a:lstStyle/>
+          <a:p>
+            <a:endParaRPr lang="en-US"/>
+          </a:p>
+        </p:txBody>
+      </p:sp>
+      <p:sp>
+        <p:nvSpPr>
+          <p:cNvPr id="13" name="Graphic 13">
+            <a:extLst>
+              <a:ext uri="{FF2B5EF4-FFF2-40B4-BE49-F238E27FC236}">
+                <a16:creationId xmlns:a16="http://schemas.microsoft.com/office/drawing/2014/main" id="{C5CB530E-515E-412C-9DF1-5F8FFBD6F383}"/>
+              </a:ext>
+              <a:ext uri="{C183D7F6-B498-43B3-948B-1728B52AA6E4}">
+                <adec:decorative xmlns:adec="http://schemas.microsoft.com/office/drawing/2017/decorative" val="1"/>
+              </a:ext>
+            </a:extLst>
+          </p:cNvPr>
+          <p:cNvSpPr>
+            <a:spLocks noGrp="1" noRot="1" noChangeAspect="1" noMove="1" noResize="1" noEditPoints="1" noAdjustHandles="1" noChangeArrowheads="1" noChangeShapeType="1" noTextEdit="1"/>
+          </p:cNvSpPr>
+          <p:nvPr>
+            <p:extLst>
+              <p:ext uri="{386F3935-93C4-4BCD-93E2-E3B085C9AB24}">
+                <p16:designElem xmlns:p16="http://schemas.microsoft.com/office/powerpoint/2015/main" val="1"/>
+              </p:ext>
+            </p:extLst>
+          </p:nvPr>
+        </p:nvSpPr>
+        <p:spPr>
+          <a:xfrm>
+            <a:off x="10724364" y="2265467"/>
+            <a:ext cx="139039" cy="139039"/>
+          </a:xfrm>
+          <a:custGeom>
+            <a:avLst/>
+            <a:gdLst>
+              <a:gd name="connsiteX0" fmla="*/ 129602 w 139039"/>
+              <a:gd name="connsiteY0" fmla="*/ 60082 h 139039"/>
+              <a:gd name="connsiteX1" fmla="*/ 78957 w 139039"/>
+              <a:gd name="connsiteY1" fmla="*/ 60082 h 139039"/>
+              <a:gd name="connsiteX2" fmla="*/ 78957 w 139039"/>
+              <a:gd name="connsiteY2" fmla="*/ 9437 h 139039"/>
+              <a:gd name="connsiteX3" fmla="*/ 69520 w 139039"/>
+              <a:gd name="connsiteY3" fmla="*/ 0 h 139039"/>
+              <a:gd name="connsiteX4" fmla="*/ 60082 w 139039"/>
+              <a:gd name="connsiteY4" fmla="*/ 9437 h 139039"/>
+              <a:gd name="connsiteX5" fmla="*/ 60082 w 139039"/>
+              <a:gd name="connsiteY5" fmla="*/ 60082 h 139039"/>
+              <a:gd name="connsiteX6" fmla="*/ 9437 w 139039"/>
+              <a:gd name="connsiteY6" fmla="*/ 60082 h 139039"/>
+              <a:gd name="connsiteX7" fmla="*/ 0 w 139039"/>
+              <a:gd name="connsiteY7" fmla="*/ 69520 h 139039"/>
+              <a:gd name="connsiteX8" fmla="*/ 9437 w 139039"/>
+              <a:gd name="connsiteY8" fmla="*/ 78957 h 139039"/>
+              <a:gd name="connsiteX9" fmla="*/ 60082 w 139039"/>
+              <a:gd name="connsiteY9" fmla="*/ 78957 h 139039"/>
+              <a:gd name="connsiteX10" fmla="*/ 60082 w 139039"/>
+              <a:gd name="connsiteY10" fmla="*/ 129602 h 139039"/>
+              <a:gd name="connsiteX11" fmla="*/ 69520 w 139039"/>
+              <a:gd name="connsiteY11" fmla="*/ 139039 h 139039"/>
+              <a:gd name="connsiteX12" fmla="*/ 78957 w 139039"/>
+              <a:gd name="connsiteY12" fmla="*/ 129602 h 139039"/>
+              <a:gd name="connsiteX13" fmla="*/ 78957 w 139039"/>
+              <a:gd name="connsiteY13" fmla="*/ 78957 h 139039"/>
+              <a:gd name="connsiteX14" fmla="*/ 129602 w 139039"/>
+              <a:gd name="connsiteY14" fmla="*/ 78957 h 139039"/>
+              <a:gd name="connsiteX15" fmla="*/ 139039 w 139039"/>
+              <a:gd name="connsiteY15" fmla="*/ 69520 h 139039"/>
+              <a:gd name="connsiteX16" fmla="*/ 129602 w 139039"/>
+              <a:gd name="connsiteY16" fmla="*/ 60082 h 139039"/>
+            </a:gdLst>
+            <a:ahLst/>
+            <a:cxnLst>
+              <a:cxn ang="0">
+                <a:pos x="connsiteX0" y="connsiteY0"/>
+              </a:cxn>
+              <a:cxn ang="0">
+                <a:pos x="connsiteX1" y="connsiteY1"/>
+              </a:cxn>
+              <a:cxn ang="0">
+                <a:pos x="connsiteX2" y="connsiteY2"/>
+              </a:cxn>
+              <a:cxn ang="0">
+                <a:pos x="connsiteX3" y="connsiteY3"/>
+              </a:cxn>
+              <a:cxn ang="0">
+                <a:pos x="connsiteX4" y="connsiteY4"/>
+              </a:cxn>
+              <a:cxn ang="0">
+                <a:pos x="connsiteX5" y="connsiteY5"/>
+              </a:cxn>
+              <a:cxn ang="0">
+                <a:pos x="connsiteX6" y="connsiteY6"/>
+              </a:cxn>
+              <a:cxn ang="0">
+                <a:pos x="connsiteX7" y="connsiteY7"/>
+              </a:cxn>
+              <a:cxn ang="0">
+                <a:pos x="connsiteX8" y="connsiteY8"/>
+              </a:cxn>
+              <a:cxn ang="0">
+                <a:pos x="connsiteX9" y="connsiteY9"/>
+              </a:cxn>
+              <a:cxn ang="0">
+                <a:pos x="connsiteX10" y="connsiteY10"/>
+              </a:cxn>
+              <a:cxn ang="0">
+                <a:pos x="connsiteX11" y="connsiteY11"/>
+              </a:cxn>
+              <a:cxn ang="0">
+                <a:pos x="connsiteX12" y="connsiteY12"/>
+              </a:cxn>
+              <a:cxn ang="0">
+                <a:pos x="connsiteX13" y="connsiteY13"/>
+              </a:cxn>
+              <a:cxn ang="0">
+                <a:pos x="connsiteX14" y="connsiteY14"/>
+              </a:cxn>
+              <a:cxn ang="0">
+                <a:pos x="connsiteX15" y="connsiteY15"/>
+              </a:cxn>
+              <a:cxn ang="0">
+                <a:pos x="connsiteX16" y="connsiteY16"/>
+              </a:cxn>
+            </a:cxnLst>
+            <a:rect l="l" t="t" r="r" b="b"/>
+            <a:pathLst>
+              <a:path w="139039" h="139039">
+                <a:moveTo>
+                  <a:pt x="129602" y="60082"/>
+                </a:moveTo>
+                <a:lnTo>
+                  <a:pt x="78957" y="60082"/>
+                </a:lnTo>
+                <a:lnTo>
+                  <a:pt x="78957" y="9437"/>
+                </a:lnTo>
+                <a:cubicBezTo>
+                  <a:pt x="78957" y="4225"/>
+                  <a:pt x="74731" y="0"/>
+                  <a:pt x="69520" y="0"/>
+                </a:cubicBezTo>
+                <a:cubicBezTo>
+                  <a:pt x="64308" y="0"/>
+                  <a:pt x="60082" y="4225"/>
+                  <a:pt x="60082" y="9437"/>
+                </a:cubicBezTo>
+                <a:lnTo>
+                  <a:pt x="60082" y="60082"/>
+                </a:lnTo>
+                <a:lnTo>
+                  <a:pt x="9437" y="60082"/>
+                </a:lnTo>
+                <a:cubicBezTo>
+                  <a:pt x="4225" y="60082"/>
+                  <a:pt x="0" y="64308"/>
+                  <a:pt x="0" y="69520"/>
+                </a:cubicBezTo>
+                <a:cubicBezTo>
+                  <a:pt x="0" y="74731"/>
+                  <a:pt x="4225" y="78957"/>
+                  <a:pt x="9437" y="78957"/>
+                </a:cubicBezTo>
+                <a:lnTo>
+                  <a:pt x="60082" y="78957"/>
+                </a:lnTo>
+                <a:lnTo>
+                  <a:pt x="60082" y="129602"/>
+                </a:lnTo>
+                <a:cubicBezTo>
+                  <a:pt x="60082" y="134814"/>
+                  <a:pt x="64308" y="139039"/>
+                  <a:pt x="69520" y="139039"/>
+                </a:cubicBezTo>
+                <a:cubicBezTo>
+                  <a:pt x="74731" y="139039"/>
+                  <a:pt x="78957" y="134814"/>
+                  <a:pt x="78957" y="129602"/>
+                </a:cubicBezTo>
+                <a:lnTo>
+                  <a:pt x="78957" y="78957"/>
+                </a:lnTo>
+                <a:lnTo>
+                  <a:pt x="129602" y="78957"/>
+                </a:lnTo>
+                <a:cubicBezTo>
+                  <a:pt x="134814" y="78957"/>
+                  <a:pt x="139039" y="74731"/>
+                  <a:pt x="139039" y="69520"/>
+                </a:cubicBezTo>
+                <a:cubicBezTo>
+                  <a:pt x="139039" y="64308"/>
+                  <a:pt x="134814" y="60082"/>
+                  <a:pt x="129602" y="60082"/>
+                </a:cubicBezTo>
+                <a:close/>
+              </a:path>
+            </a:pathLst>
+          </a:custGeom>
+          <a:solidFill>
+            <a:schemeClr val="bg1"/>
+          </a:solidFill>
+          <a:ln w="603" cap="flat">
+            <a:noFill/>
+            <a:prstDash val="solid"/>
+            <a:miter/>
+          </a:ln>
+        </p:spPr>
+        <p:txBody>
+          <a:bodyPr rtlCol="0" anchor="ctr"/>
+          <a:lstStyle/>
+          <a:p>
+            <a:endParaRPr lang="en-US"/>
+          </a:p>
+        </p:txBody>
+      </p:sp>
+      <p:sp>
+        <p:nvSpPr>
+          <p:cNvPr id="15" name="Graphic 15">
+            <a:extLst>
+              <a:ext uri="{FF2B5EF4-FFF2-40B4-BE49-F238E27FC236}">
+                <a16:creationId xmlns:a16="http://schemas.microsoft.com/office/drawing/2014/main" id="{AEA7509D-F04F-40CB-A0B3-EEF16499CC9F}"/>
+              </a:ext>
+              <a:ext uri="{C183D7F6-B498-43B3-948B-1728B52AA6E4}">
+                <adec:decorative xmlns:adec="http://schemas.microsoft.com/office/drawing/2017/decorative" val="1"/>
+              </a:ext>
+            </a:extLst>
+          </p:cNvPr>
+          <p:cNvSpPr>
+            <a:spLocks noGrp="1" noRot="1" noChangeAspect="1" noMove="1" noResize="1" noEditPoints="1" noAdjustHandles="1" noChangeArrowheads="1" noChangeShapeType="1" noTextEdit="1"/>
+          </p:cNvSpPr>
+          <p:nvPr>
+            <p:extLst>
+              <p:ext uri="{386F3935-93C4-4BCD-93E2-E3B085C9AB24}">
+                <p16:designElem xmlns:p16="http://schemas.microsoft.com/office/powerpoint/2015/main" val="1"/>
+              </p:ext>
+            </p:extLst>
+          </p:nvPr>
+        </p:nvSpPr>
+        <p:spPr>
+          <a:xfrm>
+            <a:off x="11024834" y="2537201"/>
+            <a:ext cx="127714" cy="127714"/>
+          </a:xfrm>
+          <a:custGeom>
+            <a:avLst/>
+            <a:gdLst>
+              <a:gd name="connsiteX0" fmla="*/ 63857 w 127714"/>
+              <a:gd name="connsiteY0" fmla="*/ 18874 h 127714"/>
+              <a:gd name="connsiteX1" fmla="*/ 108840 w 127714"/>
+              <a:gd name="connsiteY1" fmla="*/ 63857 h 127714"/>
+              <a:gd name="connsiteX2" fmla="*/ 63857 w 127714"/>
+              <a:gd name="connsiteY2" fmla="*/ 108840 h 127714"/>
+              <a:gd name="connsiteX3" fmla="*/ 18874 w 127714"/>
+              <a:gd name="connsiteY3" fmla="*/ 63857 h 127714"/>
+              <a:gd name="connsiteX4" fmla="*/ 63857 w 127714"/>
+              <a:gd name="connsiteY4" fmla="*/ 18874 h 127714"/>
+              <a:gd name="connsiteX5" fmla="*/ 63857 w 127714"/>
+              <a:gd name="connsiteY5" fmla="*/ 0 h 127714"/>
+              <a:gd name="connsiteX6" fmla="*/ 0 w 127714"/>
+              <a:gd name="connsiteY6" fmla="*/ 63857 h 127714"/>
+              <a:gd name="connsiteX7" fmla="*/ 63857 w 127714"/>
+              <a:gd name="connsiteY7" fmla="*/ 127714 h 127714"/>
+              <a:gd name="connsiteX8" fmla="*/ 127714 w 127714"/>
+              <a:gd name="connsiteY8" fmla="*/ 63857 h 127714"/>
+              <a:gd name="connsiteX9" fmla="*/ 63857 w 127714"/>
+              <a:gd name="connsiteY9" fmla="*/ 0 h 127714"/>
+            </a:gdLst>
+            <a:ahLst/>
+            <a:cxnLst>
+              <a:cxn ang="0">
+                <a:pos x="connsiteX0" y="connsiteY0"/>
+              </a:cxn>
+              <a:cxn ang="0">
+                <a:pos x="connsiteX1" y="connsiteY1"/>
+              </a:cxn>
+              <a:cxn ang="0">
+                <a:pos x="connsiteX2" y="connsiteY2"/>
+              </a:cxn>
+              <a:cxn ang="0">
+                <a:pos x="connsiteX3" y="connsiteY3"/>
+              </a:cxn>
+              <a:cxn ang="0">
+                <a:pos x="connsiteX4" y="connsiteY4"/>
+              </a:cxn>
+              <a:cxn ang="0">
+                <a:pos x="connsiteX5" y="connsiteY5"/>
+              </a:cxn>
+              <a:cxn ang="0">
+                <a:pos x="connsiteX6" y="connsiteY6"/>
+              </a:cxn>
+              <a:cxn ang="0">
+                <a:pos x="connsiteX7" y="connsiteY7"/>
+              </a:cxn>
+              <a:cxn ang="0">
+                <a:pos x="connsiteX8" y="connsiteY8"/>
+              </a:cxn>
+              <a:cxn ang="0">
+                <a:pos x="connsiteX9" y="connsiteY9"/>
+              </a:cxn>
+            </a:cxnLst>
+            <a:rect l="l" t="t" r="r" b="b"/>
+            <a:pathLst>
+              <a:path w="127714" h="127714">
+                <a:moveTo>
+                  <a:pt x="63857" y="18874"/>
+                </a:moveTo>
+                <a:cubicBezTo>
+                  <a:pt x="88700" y="18874"/>
+                  <a:pt x="108840" y="39014"/>
+                  <a:pt x="108840" y="63857"/>
+                </a:cubicBezTo>
+                <a:cubicBezTo>
+                  <a:pt x="108840" y="88700"/>
+                  <a:pt x="88700" y="108840"/>
+                  <a:pt x="63857" y="108840"/>
+                </a:cubicBezTo>
+                <a:cubicBezTo>
+                  <a:pt x="39014" y="108840"/>
+                  <a:pt x="18874" y="88700"/>
+                  <a:pt x="18874" y="63857"/>
+                </a:cubicBezTo>
+                <a:cubicBezTo>
+                  <a:pt x="18898" y="39024"/>
+                  <a:pt x="39024" y="18898"/>
+                  <a:pt x="63857" y="18874"/>
+                </a:cubicBezTo>
+                <a:moveTo>
+                  <a:pt x="63857" y="0"/>
+                </a:moveTo>
+                <a:cubicBezTo>
+                  <a:pt x="28590" y="0"/>
+                  <a:pt x="0" y="28590"/>
+                  <a:pt x="0" y="63857"/>
+                </a:cubicBezTo>
+                <a:cubicBezTo>
+                  <a:pt x="0" y="99124"/>
+                  <a:pt x="28590" y="127714"/>
+                  <a:pt x="63857" y="127714"/>
+                </a:cubicBezTo>
+                <a:cubicBezTo>
+                  <a:pt x="99124" y="127714"/>
+                  <a:pt x="127714" y="99124"/>
+                  <a:pt x="127714" y="63857"/>
+                </a:cubicBezTo>
+                <a:cubicBezTo>
+                  <a:pt x="127714" y="28590"/>
+                  <a:pt x="99124" y="0"/>
+                  <a:pt x="63857" y="0"/>
+                </a:cubicBezTo>
+                <a:close/>
+              </a:path>
+            </a:pathLst>
+          </a:custGeom>
+          <a:solidFill>
+            <a:schemeClr val="bg1"/>
+          </a:solidFill>
+          <a:ln w="610" cap="flat">
+            <a:noFill/>
+            <a:prstDash val="solid"/>
+            <a:miter/>
+          </a:ln>
+        </p:spPr>
+        <p:txBody>
+          <a:bodyPr rtlCol="0" anchor="ctr"/>
+          <a:lstStyle/>
+          <a:p>
+            <a:endParaRPr lang="en-US"/>
+          </a:p>
+        </p:txBody>
+      </p:sp>
+      <p:sp>
+        <p:nvSpPr>
+          <p:cNvPr id="17" name="Graphic 21">
+            <a:extLst>
+              <a:ext uri="{FF2B5EF4-FFF2-40B4-BE49-F238E27FC236}">
+                <a16:creationId xmlns:a16="http://schemas.microsoft.com/office/drawing/2014/main" id="{C39ADB8F-D187-49D7-BDCF-C1B6DC727068}"/>
+              </a:ext>
+              <a:ext uri="{C183D7F6-B498-43B3-948B-1728B52AA6E4}">
+                <adec:decorative xmlns:adec="http://schemas.microsoft.com/office/drawing/2017/decorative" val="1"/>
+              </a:ext>
+            </a:extLst>
+          </p:cNvPr>
+          <p:cNvSpPr>
+            <a:spLocks noGrp="1" noRot="1" noChangeAspect="1" noMove="1" noResize="1" noEditPoints="1" noAdjustHandles="1" noChangeArrowheads="1" noChangeShapeType="1" noTextEdit="1"/>
+          </p:cNvSpPr>
+          <p:nvPr>
+            <p:extLst>
+              <p:ext uri="{386F3935-93C4-4BCD-93E2-E3B085C9AB24}">
+                <p16:designElem xmlns:p16="http://schemas.microsoft.com/office/powerpoint/2015/main" val="1"/>
+              </p:ext>
+            </p:extLst>
+          </p:nvPr>
+        </p:nvSpPr>
+        <p:spPr>
+          <a:xfrm>
+            <a:off x="1064053" y="2832967"/>
+            <a:ext cx="95759" cy="95759"/>
+          </a:xfrm>
+          <a:custGeom>
+            <a:avLst/>
+            <a:gdLst>
+              <a:gd name="connsiteX0" fmla="*/ 95759 w 95759"/>
+              <a:gd name="connsiteY0" fmla="*/ 47880 h 95759"/>
+              <a:gd name="connsiteX1" fmla="*/ 47880 w 95759"/>
+              <a:gd name="connsiteY1" fmla="*/ 95759 h 95759"/>
+              <a:gd name="connsiteX2" fmla="*/ 0 w 95759"/>
+              <a:gd name="connsiteY2" fmla="*/ 47880 h 95759"/>
+              <a:gd name="connsiteX3" fmla="*/ 47880 w 95759"/>
+              <a:gd name="connsiteY3" fmla="*/ 0 h 95759"/>
+              <a:gd name="connsiteX4" fmla="*/ 95759 w 95759"/>
+              <a:gd name="connsiteY4" fmla="*/ 47880 h 95759"/>
+            </a:gdLst>
+            <a:ahLst/>
+            <a:cxnLst>
+              <a:cxn ang="0">
+                <a:pos x="connsiteX0" y="connsiteY0"/>
+              </a:cxn>
+              <a:cxn ang="0">
+                <a:pos x="connsiteX1" y="connsiteY1"/>
+              </a:cxn>
+              <a:cxn ang="0">
+                <a:pos x="connsiteX2" y="connsiteY2"/>
+              </a:cxn>
+              <a:cxn ang="0">
+                <a:pos x="connsiteX3" y="connsiteY3"/>
+              </a:cxn>
+              <a:cxn ang="0">
+                <a:pos x="connsiteX4" y="connsiteY4"/>
+              </a:cxn>
+            </a:cxnLst>
+            <a:rect l="l" t="t" r="r" b="b"/>
+            <a:pathLst>
+              <a:path w="95759" h="95759">
+                <a:moveTo>
+                  <a:pt x="95759" y="47880"/>
+                </a:moveTo>
+                <a:cubicBezTo>
+                  <a:pt x="95759" y="74323"/>
+                  <a:pt x="74323" y="95759"/>
+                  <a:pt x="47880" y="95759"/>
+                </a:cubicBezTo>
+                <a:cubicBezTo>
+                  <a:pt x="21436" y="95759"/>
+                  <a:pt x="0" y="74323"/>
+                  <a:pt x="0" y="47880"/>
+                </a:cubicBezTo>
+                <a:cubicBezTo>
+                  <a:pt x="0" y="21436"/>
+                  <a:pt x="21436" y="0"/>
+                  <a:pt x="47880" y="0"/>
+                </a:cubicBezTo>
+                <a:cubicBezTo>
+                  <a:pt x="74323" y="0"/>
+                  <a:pt x="95759" y="21436"/>
+                  <a:pt x="95759" y="47880"/>
+                </a:cubicBezTo>
+                <a:close/>
+              </a:path>
+            </a:pathLst>
+          </a:custGeom>
+          <a:solidFill>
+            <a:schemeClr val="bg1"/>
+          </a:solidFill>
+          <a:ln w="469" cap="flat">
+            <a:noFill/>
+            <a:prstDash val="solid"/>
+            <a:miter/>
+          </a:ln>
+        </p:spPr>
+        <p:txBody>
+          <a:bodyPr rtlCol="0" anchor="ctr"/>
+          <a:lstStyle/>
+          <a:p>
+            <a:endParaRPr lang="en-US"/>
+          </a:p>
+        </p:txBody>
+      </p:sp>
+      <p:sp>
+        <p:nvSpPr>
+          <p:cNvPr id="19" name="Graphic 12">
+            <a:extLst>
+              <a:ext uri="{FF2B5EF4-FFF2-40B4-BE49-F238E27FC236}">
+                <a16:creationId xmlns:a16="http://schemas.microsoft.com/office/drawing/2014/main" id="{712D4376-A578-4FF1-94FC-245E7A6A489F}"/>
+              </a:ext>
+              <a:ext uri="{C183D7F6-B498-43B3-948B-1728B52AA6E4}">
+                <adec:decorative xmlns:adec="http://schemas.microsoft.com/office/drawing/2017/decorative" val="1"/>
+              </a:ext>
+            </a:extLst>
+          </p:cNvPr>
+          <p:cNvSpPr>
+            <a:spLocks noGrp="1" noRot="1" noChangeAspect="1" noMove="1" noResize="1" noEditPoints="1" noAdjustHandles="1" noChangeArrowheads="1" noChangeShapeType="1" noTextEdit="1"/>
+          </p:cNvSpPr>
+          <p:nvPr>
+            <p:extLst>
+              <p:ext uri="{386F3935-93C4-4BCD-93E2-E3B085C9AB24}">
+                <p16:designElem xmlns:p16="http://schemas.microsoft.com/office/powerpoint/2015/main" val="1"/>
+              </p:ext>
+            </p:extLst>
+          </p:nvPr>
+        </p:nvSpPr>
+        <p:spPr>
+          <a:xfrm>
+            <a:off x="10772266" y="2803988"/>
+            <a:ext cx="91138" cy="91138"/>
+          </a:xfrm>
+          <a:custGeom>
+            <a:avLst/>
+            <a:gdLst>
+              <a:gd name="connsiteX0" fmla="*/ 91138 w 91138"/>
+              <a:gd name="connsiteY0" fmla="*/ 45569 h 91138"/>
+              <a:gd name="connsiteX1" fmla="*/ 45569 w 91138"/>
+              <a:gd name="connsiteY1" fmla="*/ 91138 h 91138"/>
+              <a:gd name="connsiteX2" fmla="*/ 0 w 91138"/>
+              <a:gd name="connsiteY2" fmla="*/ 45569 h 91138"/>
+              <a:gd name="connsiteX3" fmla="*/ 45569 w 91138"/>
+              <a:gd name="connsiteY3" fmla="*/ 0 h 91138"/>
+              <a:gd name="connsiteX4" fmla="*/ 91138 w 91138"/>
+              <a:gd name="connsiteY4" fmla="*/ 45569 h 91138"/>
+            </a:gdLst>
+            <a:ahLst/>
+            <a:cxnLst>
+              <a:cxn ang="0">
+                <a:pos x="connsiteX0" y="connsiteY0"/>
+              </a:cxn>
+              <a:cxn ang="0">
+                <a:pos x="connsiteX1" y="connsiteY1"/>
+              </a:cxn>
+              <a:cxn ang="0">
+                <a:pos x="connsiteX2" y="connsiteY2"/>
+              </a:cxn>
+              <a:cxn ang="0">
+                <a:pos x="connsiteX3" y="connsiteY3"/>
+              </a:cxn>
+              <a:cxn ang="0">
+                <a:pos x="connsiteX4" y="connsiteY4"/>
+              </a:cxn>
+            </a:cxnLst>
+            <a:rect l="l" t="t" r="r" b="b"/>
+            <a:pathLst>
+              <a:path w="91138" h="91138">
+                <a:moveTo>
+                  <a:pt x="91138" y="45569"/>
+                </a:moveTo>
+                <a:cubicBezTo>
+                  <a:pt x="91138" y="70736"/>
+                  <a:pt x="70736" y="91138"/>
+                  <a:pt x="45569" y="91138"/>
+                </a:cubicBezTo>
+                <a:cubicBezTo>
+                  <a:pt x="20402" y="91138"/>
+                  <a:pt x="0" y="70736"/>
+                  <a:pt x="0" y="45569"/>
+                </a:cubicBezTo>
+                <a:cubicBezTo>
+                  <a:pt x="0" y="20402"/>
+                  <a:pt x="20402" y="0"/>
+                  <a:pt x="45569" y="0"/>
+                </a:cubicBezTo>
+                <a:cubicBezTo>
+                  <a:pt x="70736" y="0"/>
+                  <a:pt x="91138" y="20402"/>
+                  <a:pt x="91138" y="45569"/>
+                </a:cubicBezTo>
+                <a:close/>
+              </a:path>
+            </a:pathLst>
+          </a:custGeom>
+          <a:solidFill>
+            <a:schemeClr val="bg1"/>
+          </a:solidFill>
+          <a:ln w="422" cap="flat">
+            <a:noFill/>
+            <a:prstDash val="solid"/>
+            <a:miter/>
+          </a:ln>
+        </p:spPr>
+        <p:txBody>
+          <a:bodyPr rtlCol="0" anchor="ctr"/>
+          <a:lstStyle/>
+          <a:p>
+            <a:endParaRPr lang="en-US"/>
+          </a:p>
+        </p:txBody>
+      </p:sp>
+      <p:sp>
+        <p:nvSpPr>
+          <p:cNvPr id="21" name="Graphic 23">
+            <a:extLst>
+              <a:ext uri="{FF2B5EF4-FFF2-40B4-BE49-F238E27FC236}">
+                <a16:creationId xmlns:a16="http://schemas.microsoft.com/office/drawing/2014/main" id="{3FBAD350-5664-4811-A208-657FB882D350}"/>
+              </a:ext>
+              <a:ext uri="{C183D7F6-B498-43B3-948B-1728B52AA6E4}">
+                <adec:decorative xmlns:adec="http://schemas.microsoft.com/office/drawing/2017/decorative" val="1"/>
+              </a:ext>
+            </a:extLst>
+          </p:cNvPr>
+          <p:cNvSpPr>
+            <a:spLocks noGrp="1" noRot="1" noChangeAspect="1" noMove="1" noResize="1" noEditPoints="1" noAdjustHandles="1" noChangeArrowheads="1" noChangeShapeType="1" noTextEdit="1"/>
+          </p:cNvSpPr>
+          <p:nvPr>
+            <p:extLst>
+              <p:ext uri="{386F3935-93C4-4BCD-93E2-E3B085C9AB24}">
+                <p16:designElem xmlns:p16="http://schemas.microsoft.com/office/powerpoint/2015/main" val="1"/>
+              </p:ext>
+            </p:extLst>
+          </p:nvPr>
+        </p:nvSpPr>
+        <p:spPr>
+          <a:xfrm>
+            <a:off x="1413405" y="3242499"/>
+            <a:ext cx="108625" cy="108625"/>
+          </a:xfrm>
+          <a:custGeom>
+            <a:avLst/>
+            <a:gdLst>
+              <a:gd name="connsiteX0" fmla="*/ 54313 w 108625"/>
+              <a:gd name="connsiteY0" fmla="*/ 16053 h 108625"/>
+              <a:gd name="connsiteX1" fmla="*/ 92572 w 108625"/>
+              <a:gd name="connsiteY1" fmla="*/ 54313 h 108625"/>
+              <a:gd name="connsiteX2" fmla="*/ 54313 w 108625"/>
+              <a:gd name="connsiteY2" fmla="*/ 92572 h 108625"/>
+              <a:gd name="connsiteX3" fmla="*/ 16053 w 108625"/>
+              <a:gd name="connsiteY3" fmla="*/ 54313 h 108625"/>
+              <a:gd name="connsiteX4" fmla="*/ 54313 w 108625"/>
+              <a:gd name="connsiteY4" fmla="*/ 16053 h 108625"/>
+              <a:gd name="connsiteX5" fmla="*/ 54313 w 108625"/>
+              <a:gd name="connsiteY5" fmla="*/ 0 h 108625"/>
+              <a:gd name="connsiteX6" fmla="*/ 0 w 108625"/>
+              <a:gd name="connsiteY6" fmla="*/ 54313 h 108625"/>
+              <a:gd name="connsiteX7" fmla="*/ 54313 w 108625"/>
+              <a:gd name="connsiteY7" fmla="*/ 108625 h 108625"/>
+              <a:gd name="connsiteX8" fmla="*/ 108625 w 108625"/>
+              <a:gd name="connsiteY8" fmla="*/ 54313 h 108625"/>
+              <a:gd name="connsiteX9" fmla="*/ 54313 w 108625"/>
+              <a:gd name="connsiteY9" fmla="*/ 0 h 108625"/>
+            </a:gdLst>
+            <a:ahLst/>
+            <a:cxnLst>
+              <a:cxn ang="0">
+                <a:pos x="connsiteX0" y="connsiteY0"/>
+              </a:cxn>
+              <a:cxn ang="0">
+                <a:pos x="connsiteX1" y="connsiteY1"/>
+              </a:cxn>
+              <a:cxn ang="0">
+                <a:pos x="connsiteX2" y="connsiteY2"/>
+              </a:cxn>
+              <a:cxn ang="0">
+                <a:pos x="connsiteX3" y="connsiteY3"/>
+              </a:cxn>
+              <a:cxn ang="0">
+                <a:pos x="connsiteX4" y="connsiteY4"/>
+              </a:cxn>
+              <a:cxn ang="0">
+                <a:pos x="connsiteX5" y="connsiteY5"/>
+              </a:cxn>
+              <a:cxn ang="0">
+                <a:pos x="connsiteX6" y="connsiteY6"/>
+              </a:cxn>
+              <a:cxn ang="0">
+                <a:pos x="connsiteX7" y="connsiteY7"/>
+              </a:cxn>
+              <a:cxn ang="0">
+                <a:pos x="connsiteX8" y="connsiteY8"/>
+              </a:cxn>
+              <a:cxn ang="0">
+                <a:pos x="connsiteX9" y="connsiteY9"/>
+              </a:cxn>
+            </a:cxnLst>
+            <a:rect l="l" t="t" r="r" b="b"/>
+            <a:pathLst>
+              <a:path w="108625" h="108625">
+                <a:moveTo>
+                  <a:pt x="54313" y="16053"/>
+                </a:moveTo>
+                <a:cubicBezTo>
+                  <a:pt x="75442" y="16053"/>
+                  <a:pt x="92572" y="33182"/>
+                  <a:pt x="92572" y="54313"/>
+                </a:cubicBezTo>
+                <a:cubicBezTo>
+                  <a:pt x="92572" y="75442"/>
+                  <a:pt x="75442" y="92572"/>
+                  <a:pt x="54313" y="92572"/>
+                </a:cubicBezTo>
+                <a:cubicBezTo>
+                  <a:pt x="33182" y="92572"/>
+                  <a:pt x="16053" y="75442"/>
+                  <a:pt x="16053" y="54313"/>
+                </a:cubicBezTo>
+                <a:cubicBezTo>
+                  <a:pt x="16074" y="33191"/>
+                  <a:pt x="33191" y="16074"/>
+                  <a:pt x="54313" y="16053"/>
+                </a:cubicBezTo>
+                <a:moveTo>
+                  <a:pt x="54313" y="0"/>
+                </a:moveTo>
+                <a:cubicBezTo>
+                  <a:pt x="24317" y="0"/>
+                  <a:pt x="0" y="24317"/>
+                  <a:pt x="0" y="54313"/>
+                </a:cubicBezTo>
+                <a:cubicBezTo>
+                  <a:pt x="0" y="84309"/>
+                  <a:pt x="24317" y="108625"/>
+                  <a:pt x="54313" y="108625"/>
+                </a:cubicBezTo>
+                <a:cubicBezTo>
+                  <a:pt x="84309" y="108625"/>
+                  <a:pt x="108625" y="84309"/>
+                  <a:pt x="108625" y="54313"/>
+                </a:cubicBezTo>
+                <a:cubicBezTo>
+                  <a:pt x="108625" y="24317"/>
+                  <a:pt x="84309" y="0"/>
+                  <a:pt x="54313" y="0"/>
+                </a:cubicBezTo>
+                <a:close/>
+              </a:path>
+            </a:pathLst>
+          </a:custGeom>
+          <a:solidFill>
+            <a:schemeClr val="bg1"/>
+          </a:solidFill>
+          <a:ln w="516" cap="flat">
+            <a:noFill/>
+            <a:prstDash val="solid"/>
+            <a:miter/>
+          </a:ln>
+        </p:spPr>
+        <p:txBody>
+          <a:bodyPr rtlCol="0" anchor="ctr"/>
+          <a:lstStyle/>
+          <a:p>
+            <a:endParaRPr lang="en-US"/>
+          </a:p>
+        </p:txBody>
+      </p:sp>
+      <p:cxnSp>
+        <p:nvCxnSpPr>
+          <p:cNvPr id="23" name="Straight Connector 22">
+            <a:extLst>
+              <a:ext uri="{FF2B5EF4-FFF2-40B4-BE49-F238E27FC236}">
+                <a16:creationId xmlns:a16="http://schemas.microsoft.com/office/drawing/2014/main" id="{56020367-4FD5-4596-8E10-C5F095CD8DBF}"/>
+              </a:ext>
+              <a:ext uri="{C183D7F6-B498-43B3-948B-1728B52AA6E4}">
+                <adec:decorative xmlns:adec="http://schemas.microsoft.com/office/drawing/2017/decorative" val="1"/>
+              </a:ext>
+            </a:extLst>
+          </p:cNvPr>
+          <p:cNvCxnSpPr>
+            <a:cxnSpLocks noGrp="1" noRot="1" noChangeAspect="1" noMove="1" noResize="1" noEditPoints="1" noAdjustHandles="1" noChangeArrowheads="1" noChangeShapeType="1"/>
+          </p:cNvCxnSpPr>
+          <p:nvPr>
+            <p:extLst>
+              <p:ext uri="{386F3935-93C4-4BCD-93E2-E3B085C9AB24}">
+                <p16:designElem xmlns:p16="http://schemas.microsoft.com/office/powerpoint/2015/main" val="1"/>
+              </p:ext>
+            </p:extLst>
+          </p:nvPr>
+        </p:nvCxnSpPr>
+        <p:spPr>
+          <a:xfrm>
+            <a:off x="0" y="5831729"/>
+            <a:ext cx="12188952" cy="0"/>
+          </a:xfrm>
+          <a:prstGeom prst="line">
+            <a:avLst/>
+          </a:prstGeom>
+          <a:ln w="25400" cap="sq">
+            <a:solidFill>
+              <a:schemeClr val="bg1"/>
+            </a:solidFill>
+            <a:bevel/>
+          </a:ln>
+        </p:spPr>
+        <p:style>
+          <a:lnRef idx="1">
+            <a:schemeClr val="accent1"/>
+          </a:lnRef>
+          <a:fillRef idx="0">
+            <a:schemeClr val="accent1"/>
+          </a:fillRef>
+          <a:effectRef idx="0">
+            <a:schemeClr val="accent1"/>
+          </a:effectRef>
+          <a:fontRef idx="minor">
+            <a:schemeClr val="tx1"/>
+          </a:fontRef>
+        </p:style>
+      </p:cxnSp>
+    </p:spTree>
+    <p:extLst>
+      <p:ext uri="{BB962C8B-B14F-4D97-AF65-F5344CB8AC3E}">
+        <p14:creationId xmlns:p14="http://schemas.microsoft.com/office/powerpoint/2010/main" val="3075377930"/>
+      </p:ext>
+    </p:extLst>
+  </p:cSld>
+  <p:clrMapOvr>
+    <a:masterClrMapping/>
+  </p:clrMapOvr>
+</p:sld>
+</file>
+
 <file path=ppt/slides/slide2.xml><?xml version="1.0" encoding="utf-8"?>
 <p:sld xmlns:a="http://schemas.openxmlformats.org/drawingml/2006/main" xmlns:r="http://schemas.openxmlformats.org/officeDocument/2006/relationships" xmlns:p="http://schemas.openxmlformats.org/presentationml/2006/main">
   <p:cSld>

--- a/Documentation/Coding Corgies.pptx
+++ b/Documentation/Coding Corgies.pptx
@@ -296,7 +296,7 @@
           <a:p>
             <a:fld id="{6A4B53A7-3209-46A6-9454-F38EAC8F11E7}" type="datetimeFigureOut">
               <a:rPr lang="en-US" smtClean="0"/>
-              <a:t>12/13/2020</a:t>
+              <a:t>12/14/2020</a:t>
             </a:fld>
             <a:endParaRPr lang="en-US"/>
           </a:p>
@@ -547,7 +547,7 @@
           <a:p>
             <a:fld id="{6A4B53A7-3209-46A6-9454-F38EAC8F11E7}" type="datetimeFigureOut">
               <a:rPr lang="en-US" smtClean="0"/>
-              <a:t>12/13/2020</a:t>
+              <a:t>12/14/2020</a:t>
             </a:fld>
             <a:endParaRPr lang="en-US"/>
           </a:p>
@@ -808,7 +808,7 @@
           <a:p>
             <a:fld id="{6A4B53A7-3209-46A6-9454-F38EAC8F11E7}" type="datetimeFigureOut">
               <a:rPr lang="en-US" smtClean="0"/>
-              <a:t>12/13/2020</a:t>
+              <a:t>12/14/2020</a:t>
             </a:fld>
             <a:endParaRPr lang="en-US"/>
           </a:p>
@@ -1059,7 +1059,7 @@
           <a:p>
             <a:fld id="{6A4B53A7-3209-46A6-9454-F38EAC8F11E7}" type="datetimeFigureOut">
               <a:rPr lang="en-US" smtClean="0"/>
-              <a:t>12/13/2020</a:t>
+              <a:t>12/14/2020</a:t>
             </a:fld>
             <a:endParaRPr lang="en-US"/>
           </a:p>
@@ -1387,7 +1387,7 @@
           <a:p>
             <a:fld id="{6A4B53A7-3209-46A6-9454-F38EAC8F11E7}" type="datetimeFigureOut">
               <a:rPr lang="en-US" smtClean="0"/>
-              <a:t>12/13/2020</a:t>
+              <a:t>12/14/2020</a:t>
             </a:fld>
             <a:endParaRPr lang="en-US"/>
           </a:p>
@@ -1705,7 +1705,7 @@
           <a:p>
             <a:fld id="{6A4B53A7-3209-46A6-9454-F38EAC8F11E7}" type="datetimeFigureOut">
               <a:rPr lang="en-US" smtClean="0"/>
-              <a:t>12/13/2020</a:t>
+              <a:t>12/14/2020</a:t>
             </a:fld>
             <a:endParaRPr lang="en-US"/>
           </a:p>
@@ -2170,7 +2170,7 @@
           <a:p>
             <a:fld id="{6A4B53A7-3209-46A6-9454-F38EAC8F11E7}" type="datetimeFigureOut">
               <a:rPr lang="en-US" smtClean="0"/>
-              <a:t>12/13/2020</a:t>
+              <a:t>12/14/2020</a:t>
             </a:fld>
             <a:endParaRPr lang="en-US"/>
           </a:p>
@@ -2364,7 +2364,7 @@
           <a:p>
             <a:fld id="{6A4B53A7-3209-46A6-9454-F38EAC8F11E7}" type="datetimeFigureOut">
               <a:rPr lang="en-US" smtClean="0"/>
-              <a:t>12/13/2020</a:t>
+              <a:t>12/14/2020</a:t>
             </a:fld>
             <a:endParaRPr lang="en-US"/>
           </a:p>
@@ -2530,7 +2530,7 @@
           <a:p>
             <a:fld id="{6A4B53A7-3209-46A6-9454-F38EAC8F11E7}" type="datetimeFigureOut">
               <a:rPr lang="en-US" smtClean="0"/>
-              <a:t>12/13/2020</a:t>
+              <a:t>12/14/2020</a:t>
             </a:fld>
             <a:endParaRPr lang="en-US"/>
           </a:p>
@@ -2894,7 +2894,7 @@
           <a:p>
             <a:fld id="{6A4B53A7-3209-46A6-9454-F38EAC8F11E7}" type="datetimeFigureOut">
               <a:rPr lang="en-US" smtClean="0"/>
-              <a:t>12/13/2020</a:t>
+              <a:t>12/14/2020</a:t>
             </a:fld>
             <a:endParaRPr lang="en-US"/>
           </a:p>
@@ -3238,7 +3238,7 @@
           <a:p>
             <a:fld id="{6A4B53A7-3209-46A6-9454-F38EAC8F11E7}" type="datetimeFigureOut">
               <a:rPr lang="en-US" smtClean="0"/>
-              <a:t>12/13/2020</a:t>
+              <a:t>12/14/2020</a:t>
             </a:fld>
             <a:endParaRPr lang="en-US"/>
           </a:p>
@@ -3533,7 +3533,7 @@
             <a:fld id="{6A4B53A7-3209-46A6-9454-F38EAC8F11E7}" type="datetimeFigureOut">
               <a:rPr lang="en-US" smtClean="0"/>
               <a:pPr/>
-              <a:t>12/13/2020</a:t>
+              <a:t>12/14/2020</a:t>
             </a:fld>
             <a:endParaRPr lang="en-US" dirty="0"/>
           </a:p>
@@ -4049,13 +4049,13 @@
         </p:nvSpPr>
         <p:spPr>
           <a:xfrm>
-            <a:off x="994873" y="3736429"/>
+            <a:off x="444457" y="3735359"/>
             <a:ext cx="6347918" cy="2397488"/>
           </a:xfrm>
         </p:spPr>
         <p:txBody>
           <a:bodyPr anchor="ctr">
-            <a:normAutofit/>
+            <a:normAutofit fontScale="90000"/>
           </a:bodyPr>
           <a:lstStyle/>
           <a:p>
@@ -4065,16 +4065,15 @@
                   <a:schemeClr val="bg1"/>
                 </a:solidFill>
               </a:rPr>
-              <a:t>Coding</a:t>
-            </a:r>
-            <a:r>
+              <a:t>Disapproving</a:t>
+            </a:r>
+            <a:br>
               <a:rPr lang="hu-HU" sz="6600" dirty="0">
                 <a:solidFill>
                   <a:schemeClr val="bg1"/>
                 </a:solidFill>
               </a:rPr>
-              <a:t> </a:t>
-            </a:r>
+            </a:br>
             <a:r>
               <a:rPr lang="hu-HU" sz="6600" dirty="0" err="1">
                 <a:solidFill>

--- a/Documentation/Coding Corgies.pptx
+++ b/Documentation/Coding Corgies.pptx
@@ -133,20 +133,6 @@
     </p:extLst>
   </p:cmAuthor>
 </p:cmAuthorLst>
-</file>
-
-<file path=ppt/comments/comment1.xml><?xml version="1.0" encoding="utf-8"?>
-<p:cmLst xmlns:a="http://schemas.openxmlformats.org/drawingml/2006/main" xmlns:r="http://schemas.openxmlformats.org/officeDocument/2006/relationships" xmlns:p="http://schemas.openxmlformats.org/presentationml/2006/main">
-  <p:cm authorId="1" dt="2020-12-13T23:02:54.762" idx="1">
-    <p:pos x="10" y="10"/>
-    <p:text/>
-    <p:extLst>
-      <p:ext uri="{C676402C-5697-4E1C-873F-D02D1690AC5C}">
-        <p15:threadingInfo xmlns:p15="http://schemas.microsoft.com/office/powerpoint/2012/main" timeZoneBias="-60"/>
-      </p:ext>
-    </p:extLst>
-  </p:cm>
-</p:cmLst>
 </file>
 
 <file path=ppt/slideLayouts/slideLayout1.xml><?xml version="1.0" encoding="utf-8"?>
@@ -19633,7 +19619,7 @@
         </p:blipFill>
         <p:spPr bwMode="auto">
           <a:xfrm>
-            <a:off x="152170" y="1942408"/>
+            <a:off x="6378093" y="2592942"/>
             <a:ext cx="5595282" cy="3180651"/>
           </a:xfrm>
           <a:prstGeom prst="rect">
@@ -19665,7 +19651,7 @@
         </p:nvSpPr>
         <p:spPr>
           <a:xfrm>
-            <a:off x="891748" y="5122726"/>
+            <a:off x="6909191" y="5773593"/>
             <a:ext cx="4610826" cy="646331"/>
           </a:xfrm>
           <a:prstGeom prst="rect">
@@ -19684,6 +19670,7 @@
           </a:bodyPr>
           <a:lstStyle/>
           <a:p>
+            <a:pPr algn="ctr"/>
             <a:r>
               <a:rPr lang="hu-HU" b="1" dirty="0">
                 <a:solidFill>
@@ -19817,7 +19804,7 @@
         </p:blipFill>
         <p:spPr bwMode="auto">
           <a:xfrm>
-            <a:off x="6496478" y="1574986"/>
+            <a:off x="503303" y="209657"/>
             <a:ext cx="3562751" cy="2449391"/>
           </a:xfrm>
           <a:prstGeom prst="rect">
@@ -19864,7 +19851,7 @@
         </p:blipFill>
         <p:spPr bwMode="auto">
           <a:xfrm>
-            <a:off x="8134703" y="4262226"/>
+            <a:off x="1483465" y="2955817"/>
             <a:ext cx="3546555" cy="2396036"/>
           </a:xfrm>
           <a:prstGeom prst="rect">
@@ -19896,7 +19883,7 @@
         </p:nvSpPr>
         <p:spPr>
           <a:xfrm>
-            <a:off x="10044855" y="2338017"/>
+            <a:off x="4030739" y="1735718"/>
             <a:ext cx="2128729" cy="923330"/>
           </a:xfrm>
           <a:prstGeom prst="rect">
@@ -20000,7 +19987,7 @@
         </p:nvSpPr>
         <p:spPr>
           <a:xfrm>
-            <a:off x="6013316" y="5131515"/>
+            <a:off x="2168151" y="5351325"/>
             <a:ext cx="2128729" cy="923330"/>
           </a:xfrm>
           <a:prstGeom prst="rect">
